--- a/PSD/操作説明.pptx
+++ b/PSD/操作説明.pptx
@@ -104,6 +104,11 @@
       </a:defRPr>
     </a:lvl9pPr>
   </p:defaultTextStyle>
+  <p:extLst>
+    <p:ext uri="{EFAFB233-063F-42B5-8137-9DF3F51BA10A}">
+      <p15:sldGuideLst xmlns:p15="http://schemas.microsoft.com/office/powerpoint/2012/main"/>
+    </p:ext>
+  </p:extLst>
 </p:presentation>
 </file>
 
@@ -238,7 +243,7 @@
           <a:p>
             <a:fld id="{3DE19328-0B18-4B19-9CB0-D4BB2A53BF0E}" type="datetimeFigureOut">
               <a:rPr kumimoji="1" lang="ja-JP" altLang="en-US" smtClean="0"/>
-              <a:t>2022/10/17</a:t>
+              <a:t>2022/10/31</a:t>
             </a:fld>
             <a:endParaRPr kumimoji="1" lang="ja-JP" altLang="en-US"/>
           </a:p>
@@ -440,7 +445,7 @@
           <a:p>
             <a:fld id="{3DE19328-0B18-4B19-9CB0-D4BB2A53BF0E}" type="datetimeFigureOut">
               <a:rPr kumimoji="1" lang="ja-JP" altLang="en-US" smtClean="0"/>
-              <a:t>2022/10/17</a:t>
+              <a:t>2022/10/31</a:t>
             </a:fld>
             <a:endParaRPr kumimoji="1" lang="ja-JP" altLang="en-US"/>
           </a:p>
@@ -652,7 +657,7 @@
           <a:p>
             <a:fld id="{3DE19328-0B18-4B19-9CB0-D4BB2A53BF0E}" type="datetimeFigureOut">
               <a:rPr kumimoji="1" lang="ja-JP" altLang="en-US" smtClean="0"/>
-              <a:t>2022/10/17</a:t>
+              <a:t>2022/10/31</a:t>
             </a:fld>
             <a:endParaRPr kumimoji="1" lang="ja-JP" altLang="en-US"/>
           </a:p>
@@ -854,7 +859,7 @@
           <a:p>
             <a:fld id="{3DE19328-0B18-4B19-9CB0-D4BB2A53BF0E}" type="datetimeFigureOut">
               <a:rPr kumimoji="1" lang="ja-JP" altLang="en-US" smtClean="0"/>
-              <a:t>2022/10/17</a:t>
+              <a:t>2022/10/31</a:t>
             </a:fld>
             <a:endParaRPr kumimoji="1" lang="ja-JP" altLang="en-US"/>
           </a:p>
@@ -1100,7 +1105,7 @@
           <a:p>
             <a:fld id="{3DE19328-0B18-4B19-9CB0-D4BB2A53BF0E}" type="datetimeFigureOut">
               <a:rPr kumimoji="1" lang="ja-JP" altLang="en-US" smtClean="0"/>
-              <a:t>2022/10/17</a:t>
+              <a:t>2022/10/31</a:t>
             </a:fld>
             <a:endParaRPr kumimoji="1" lang="ja-JP" altLang="en-US"/>
           </a:p>
@@ -1396,7 +1401,7 @@
           <a:p>
             <a:fld id="{3DE19328-0B18-4B19-9CB0-D4BB2A53BF0E}" type="datetimeFigureOut">
               <a:rPr kumimoji="1" lang="ja-JP" altLang="en-US" smtClean="0"/>
-              <a:t>2022/10/17</a:t>
+              <a:t>2022/10/31</a:t>
             </a:fld>
             <a:endParaRPr kumimoji="1" lang="ja-JP" altLang="en-US"/>
           </a:p>
@@ -1827,7 +1832,7 @@
           <a:p>
             <a:fld id="{3DE19328-0B18-4B19-9CB0-D4BB2A53BF0E}" type="datetimeFigureOut">
               <a:rPr kumimoji="1" lang="ja-JP" altLang="en-US" smtClean="0"/>
-              <a:t>2022/10/17</a:t>
+              <a:t>2022/10/31</a:t>
             </a:fld>
             <a:endParaRPr kumimoji="1" lang="ja-JP" altLang="en-US"/>
           </a:p>
@@ -1945,7 +1950,7 @@
           <a:p>
             <a:fld id="{3DE19328-0B18-4B19-9CB0-D4BB2A53BF0E}" type="datetimeFigureOut">
               <a:rPr kumimoji="1" lang="ja-JP" altLang="en-US" smtClean="0"/>
-              <a:t>2022/10/17</a:t>
+              <a:t>2022/10/31</a:t>
             </a:fld>
             <a:endParaRPr kumimoji="1" lang="ja-JP" altLang="en-US"/>
           </a:p>
@@ -2040,7 +2045,7 @@
           <a:p>
             <a:fld id="{3DE19328-0B18-4B19-9CB0-D4BB2A53BF0E}" type="datetimeFigureOut">
               <a:rPr kumimoji="1" lang="ja-JP" altLang="en-US" smtClean="0"/>
-              <a:t>2022/10/17</a:t>
+              <a:t>2022/10/31</a:t>
             </a:fld>
             <a:endParaRPr kumimoji="1" lang="ja-JP" altLang="en-US"/>
           </a:p>
@@ -2349,7 +2354,7 @@
           <a:p>
             <a:fld id="{3DE19328-0B18-4B19-9CB0-D4BB2A53BF0E}" type="datetimeFigureOut">
               <a:rPr kumimoji="1" lang="ja-JP" altLang="en-US" smtClean="0"/>
-              <a:t>2022/10/17</a:t>
+              <a:t>2022/10/31</a:t>
             </a:fld>
             <a:endParaRPr kumimoji="1" lang="ja-JP" altLang="en-US"/>
           </a:p>
@@ -2602,7 +2607,7 @@
           <a:p>
             <a:fld id="{3DE19328-0B18-4B19-9CB0-D4BB2A53BF0E}" type="datetimeFigureOut">
               <a:rPr kumimoji="1" lang="ja-JP" altLang="en-US" smtClean="0"/>
-              <a:t>2022/10/17</a:t>
+              <a:t>2022/10/31</a:t>
             </a:fld>
             <a:endParaRPr kumimoji="1" lang="ja-JP" altLang="en-US"/>
           </a:p>
@@ -2847,7 +2852,7 @@
           <a:p>
             <a:fld id="{3DE19328-0B18-4B19-9CB0-D4BB2A53BF0E}" type="datetimeFigureOut">
               <a:rPr kumimoji="1" lang="ja-JP" altLang="en-US" smtClean="0"/>
-              <a:t>2022/10/17</a:t>
+              <a:t>2022/10/31</a:t>
             </a:fld>
             <a:endParaRPr kumimoji="1" lang="ja-JP" altLang="en-US"/>
           </a:p>
@@ -3340,8 +3345,8 @@
         </p:nvSpPr>
         <p:spPr>
           <a:xfrm>
-            <a:off x="5934808" y="1990844"/>
-            <a:ext cx="6154615" cy="1446550"/>
+            <a:off x="105509" y="1567302"/>
+            <a:ext cx="7000142" cy="1200329"/>
           </a:xfrm>
           <a:prstGeom prst="rect">
             <a:avLst/>
@@ -3355,13 +3360,20 @@
           <a:lstStyle/>
           <a:p>
             <a:r>
-              <a:rPr kumimoji="1" lang="ja-JP" altLang="en-US" sz="4400" dirty="0" smtClean="0">
+              <a:rPr lang="ja-JP" altLang="en-US" sz="3600" dirty="0">
                 <a:latin typeface="03スマートフォントUI" panose="02000600000000000000" pitchFamily="50" charset="-128"/>
                 <a:ea typeface="03スマートフォントUI" panose="02000600000000000000" pitchFamily="50" charset="-128"/>
               </a:rPr>
-              <a:t>バギーで風船を割って点数を競うゲームです。</a:t>
-            </a:r>
-            <a:endParaRPr kumimoji="1" lang="en-US" altLang="ja-JP" sz="4400" dirty="0" smtClean="0">
+              <a:t>ゴーカート</a:t>
+            </a:r>
+            <a:r>
+              <a:rPr kumimoji="1" lang="ja-JP" altLang="en-US" sz="3600" dirty="0" smtClean="0">
+                <a:latin typeface="03スマートフォントUI" panose="02000600000000000000" pitchFamily="50" charset="-128"/>
+                <a:ea typeface="03スマートフォントUI" panose="02000600000000000000" pitchFamily="50" charset="-128"/>
+              </a:rPr>
+              <a:t>で風船を割って点数を競うゲームです。</a:t>
+            </a:r>
+            <a:endParaRPr kumimoji="1" lang="en-US" altLang="ja-JP" sz="3600" dirty="0" smtClean="0">
               <a:latin typeface="03スマートフォントUI" panose="02000600000000000000" pitchFamily="50" charset="-128"/>
               <a:ea typeface="03スマートフォントUI" panose="02000600000000000000" pitchFamily="50" charset="-128"/>
             </a:endParaRPr>
@@ -3376,8 +3388,8 @@
         </p:nvSpPr>
         <p:spPr>
           <a:xfrm>
-            <a:off x="5934808" y="3903051"/>
-            <a:ext cx="5829300" cy="1846659"/>
+            <a:off x="105509" y="2651820"/>
+            <a:ext cx="5829300" cy="1600438"/>
           </a:xfrm>
           <a:prstGeom prst="rect">
             <a:avLst/>
@@ -3391,7 +3403,7 @@
           <a:lstStyle/>
           <a:p>
             <a:r>
-              <a:rPr lang="ja-JP" altLang="en-US" sz="4400" b="1" dirty="0" smtClean="0">
+              <a:rPr lang="ja-JP" altLang="en-US" sz="3600" b="1" dirty="0" smtClean="0">
                 <a:solidFill>
                   <a:srgbClr val="FF00FF"/>
                 </a:solidFill>
@@ -3401,35 +3413,41 @@
               <a:t>ピンクの風船</a:t>
             </a:r>
             <a:r>
-              <a:rPr lang="ja-JP" altLang="en-US" sz="4400" dirty="0" smtClean="0">
+              <a:rPr lang="ja-JP" altLang="en-US" sz="3600" dirty="0" smtClean="0">
                 <a:latin typeface="03スマートフォントUI" panose="02000600000000000000" pitchFamily="50" charset="-128"/>
                 <a:ea typeface="03スマートフォントUI" panose="02000600000000000000" pitchFamily="50" charset="-128"/>
               </a:rPr>
               <a:t>は</a:t>
             </a:r>
             <a:r>
-              <a:rPr lang="en-US" altLang="ja-JP" sz="4800" b="1" dirty="0" smtClean="0">
+              <a:rPr lang="en-US" altLang="ja-JP" sz="4000" b="1" dirty="0" smtClean="0">
                 <a:latin typeface="03スマートフォントUI" panose="02000600000000000000" pitchFamily="50" charset="-128"/>
                 <a:ea typeface="03スマートフォントUI" panose="02000600000000000000" pitchFamily="50" charset="-128"/>
               </a:rPr>
               <a:t>1</a:t>
             </a:r>
             <a:r>
-              <a:rPr lang="ja-JP" altLang="en-US" sz="4800" b="1" dirty="0" smtClean="0">
+              <a:rPr lang="ja-JP" altLang="en-US" sz="4000" b="1" dirty="0" smtClean="0">
                 <a:latin typeface="03スマートフォントUI" panose="02000600000000000000" pitchFamily="50" charset="-128"/>
                 <a:ea typeface="03スマートフォントUI" panose="02000600000000000000" pitchFamily="50" charset="-128"/>
               </a:rPr>
               <a:t>点</a:t>
             </a:r>
             <a:r>
-              <a:rPr lang="ja-JP" altLang="en-US" sz="4400" dirty="0" smtClean="0">
+              <a:rPr lang="ja-JP" altLang="en-US" sz="3600" dirty="0" smtClean="0">
                 <a:latin typeface="03スマートフォントUI" panose="02000600000000000000" pitchFamily="50" charset="-128"/>
                 <a:ea typeface="03スマートフォントUI" panose="02000600000000000000" pitchFamily="50" charset="-128"/>
               </a:rPr>
               <a:t>、</a:t>
             </a:r>
-            <a:r>
-              <a:rPr lang="ja-JP" altLang="en-US" sz="4400" b="1" dirty="0" smtClean="0">
+            <a:endParaRPr lang="en-US" altLang="ja-JP" sz="3600" dirty="0" smtClean="0">
+              <a:latin typeface="03スマートフォントUI" panose="02000600000000000000" pitchFamily="50" charset="-128"/>
+              <a:ea typeface="03スマートフォントUI" panose="02000600000000000000" pitchFamily="50" charset="-128"/>
+            </a:endParaRPr>
+          </a:p>
+          <a:p>
+            <a:r>
+              <a:rPr lang="ja-JP" altLang="en-US" sz="3600" b="1" dirty="0" smtClean="0">
                 <a:ln w="3175">
                   <a:noFill/>
                 </a:ln>
@@ -3459,41 +3477,74 @@
                 <a:latin typeface="03スマートフォントUI" panose="02000600000000000000" pitchFamily="50" charset="-128"/>
                 <a:ea typeface="03スマートフォントUI" panose="02000600000000000000" pitchFamily="50" charset="-128"/>
               </a:rPr>
-              <a:t>金色の風船</a:t>
-            </a:r>
-            <a:r>
-              <a:rPr lang="ja-JP" altLang="en-US" sz="4400" dirty="0" smtClean="0">
+              <a:t>金色</a:t>
+            </a:r>
+            <a:r>
+              <a:rPr lang="ja-JP" altLang="en-US" sz="3600" b="1" dirty="0" smtClean="0">
+                <a:ln w="3175">
+                  <a:noFill/>
+                </a:ln>
+                <a:gradFill flip="none" rotWithShape="1">
+                  <a:gsLst>
+                    <a:gs pos="0">
+                      <a:schemeClr val="accent4">
+                        <a:lumMod val="67000"/>
+                      </a:schemeClr>
+                    </a:gs>
+                    <a:gs pos="48000">
+                      <a:schemeClr val="accent4">
+                        <a:lumMod val="97000"/>
+                        <a:lumOff val="3000"/>
+                      </a:schemeClr>
+                    </a:gs>
+                    <a:gs pos="100000">
+                      <a:schemeClr val="accent4">
+                        <a:lumMod val="60000"/>
+                        <a:lumOff val="40000"/>
+                      </a:schemeClr>
+                    </a:gs>
+                  </a:gsLst>
+                  <a:lin ang="16200000" scaled="1"/>
+                  <a:tileRect/>
+                </a:gradFill>
+                <a:latin typeface="03スマートフォントUI" panose="02000600000000000000" pitchFamily="50" charset="-128"/>
+                <a:ea typeface="03スマートフォントUI" panose="02000600000000000000" pitchFamily="50" charset="-128"/>
+              </a:rPr>
+              <a:t>の風船</a:t>
+            </a:r>
+            <a:r>
+              <a:rPr lang="ja-JP" altLang="en-US" sz="3600" dirty="0" smtClean="0">
                 <a:latin typeface="03スマートフォントUI" panose="02000600000000000000" pitchFamily="50" charset="-128"/>
                 <a:ea typeface="03スマートフォントUI" panose="02000600000000000000" pitchFamily="50" charset="-128"/>
               </a:rPr>
               <a:t>は</a:t>
             </a:r>
             <a:r>
-              <a:rPr lang="en-US" altLang="ja-JP" sz="4800" b="1" dirty="0" smtClean="0">
+              <a:rPr lang="en-US" altLang="ja-JP" sz="4000" b="1" dirty="0" smtClean="0">
                 <a:latin typeface="03スマートフォントUI" panose="02000600000000000000" pitchFamily="50" charset="-128"/>
                 <a:ea typeface="03スマートフォントUI" panose="02000600000000000000" pitchFamily="50" charset="-128"/>
               </a:rPr>
               <a:t>3</a:t>
             </a:r>
             <a:r>
-              <a:rPr lang="ja-JP" altLang="en-US" sz="4800" b="1" dirty="0" smtClean="0">
+              <a:rPr lang="ja-JP" altLang="en-US" sz="4000" b="1" dirty="0" smtClean="0">
                 <a:latin typeface="03スマートフォントUI" panose="02000600000000000000" pitchFamily="50" charset="-128"/>
                 <a:ea typeface="03スマートフォントUI" panose="02000600000000000000" pitchFamily="50" charset="-128"/>
               </a:rPr>
               <a:t>点</a:t>
             </a:r>
             <a:r>
-              <a:rPr lang="ja-JP" altLang="en-US" sz="4400" dirty="0" smtClean="0">
+              <a:rPr lang="ja-JP" altLang="en-US" sz="3600" dirty="0" smtClean="0">
                 <a:latin typeface="03スマートフォントUI" panose="02000600000000000000" pitchFamily="50" charset="-128"/>
                 <a:ea typeface="03スマートフォントUI" panose="02000600000000000000" pitchFamily="50" charset="-128"/>
               </a:rPr>
               <a:t>です</a:t>
             </a:r>
             <a:r>
-              <a:rPr lang="ja-JP" altLang="en-US" sz="4400" dirty="0" smtClean="0"/>
+              <a:rPr lang="ja-JP" altLang="en-US" sz="3600" dirty="0" smtClean="0"/>
               <a:t>。</a:t>
             </a:r>
-            <a:endParaRPr lang="ja-JP" altLang="en-US" sz="4400" dirty="0"/>
+            <a:endParaRPr lang="en-US" altLang="ja-JP" sz="3600" dirty="0" smtClean="0"/>
           </a:p>
           <a:p>
             <a:endParaRPr kumimoji="1" lang="ja-JP" altLang="en-US" dirty="0">
@@ -3526,52 +3577,23 @@
       </p:sp>
       <p:sp>
         <p:nvSpPr>
-          <p:cNvPr id="5" name="角丸四角形 4"/>
+          <p:cNvPr id="6" name="楕円 5"/>
           <p:cNvSpPr/>
           <p:nvPr/>
         </p:nvSpPr>
         <p:spPr>
           <a:xfrm>
-            <a:off x="361950" y="1990844"/>
-            <a:ext cx="5257800" cy="3276481"/>
+            <a:off x="7358429" y="2832817"/>
+            <a:ext cx="720000" cy="720969"/>
           </a:xfrm>
-          <a:prstGeom prst="roundRect">
+          <a:prstGeom prst="ellipse">
             <a:avLst/>
           </a:prstGeom>
-          <a:gradFill flip="none" rotWithShape="1">
-            <a:gsLst>
-              <a:gs pos="0">
-                <a:schemeClr val="accent3">
-                  <a:lumMod val="5000"/>
-                  <a:lumOff val="95000"/>
-                </a:schemeClr>
-              </a:gs>
-              <a:gs pos="74000">
-                <a:schemeClr val="accent3">
-                  <a:lumMod val="45000"/>
-                  <a:lumOff val="55000"/>
-                </a:schemeClr>
-              </a:gs>
-              <a:gs pos="83000">
-                <a:schemeClr val="accent3">
-                  <a:lumMod val="45000"/>
-                  <a:lumOff val="55000"/>
-                </a:schemeClr>
-              </a:gs>
-              <a:gs pos="100000">
-                <a:schemeClr val="accent3">
-                  <a:lumMod val="30000"/>
-                  <a:lumOff val="70000"/>
-                </a:schemeClr>
-              </a:gs>
-            </a:gsLst>
-            <a:lin ang="5400000" scaled="1"/>
-            <a:tileRect/>
-          </a:gradFill>
-          <a:ln w="38100">
-            <a:solidFill>
-              <a:schemeClr val="tx1"/>
-            </a:solidFill>
+          <a:solidFill>
+            <a:srgbClr val="00B050"/>
+          </a:solidFill>
+          <a:ln>
+            <a:noFill/>
           </a:ln>
         </p:spPr>
         <p:style>
@@ -3595,7 +3617,489 @@
           <a:lstStyle/>
           <a:p>
             <a:pPr algn="ctr"/>
-            <a:endParaRPr kumimoji="1" lang="ja-JP" altLang="en-US"/>
+            <a:r>
+              <a:rPr kumimoji="1" lang="en-US" altLang="ja-JP" sz="3600" b="1" dirty="0" smtClean="0">
+                <a:solidFill>
+                  <a:schemeClr val="bg1"/>
+                </a:solidFill>
+              </a:rPr>
+              <a:t>A</a:t>
+            </a:r>
+            <a:endParaRPr kumimoji="1" lang="ja-JP" altLang="en-US" b="1" dirty="0">
+              <a:solidFill>
+                <a:schemeClr val="bg1"/>
+              </a:solidFill>
+            </a:endParaRPr>
+          </a:p>
+        </p:txBody>
+      </p:sp>
+      <p:sp>
+        <p:nvSpPr>
+          <p:cNvPr id="8" name="テキスト ボックス 7"/>
+          <p:cNvSpPr txBox="1"/>
+          <p:nvPr/>
+        </p:nvSpPr>
+        <p:spPr>
+          <a:xfrm>
+            <a:off x="8239125" y="2832817"/>
+            <a:ext cx="3400425" cy="707886"/>
+          </a:xfrm>
+          <a:prstGeom prst="rect">
+            <a:avLst/>
+          </a:prstGeom>
+          <a:noFill/>
+        </p:spPr>
+        <p:txBody>
+          <a:bodyPr wrap="square" rtlCol="0">
+            <a:spAutoFit/>
+          </a:bodyPr>
+          <a:lstStyle/>
+          <a:p>
+            <a:r>
+              <a:rPr kumimoji="1" lang="ja-JP" altLang="en-US" sz="4000" dirty="0" smtClean="0">
+                <a:latin typeface="03スマートフォントUI" panose="02000600000000000000" pitchFamily="50" charset="-128"/>
+                <a:ea typeface="03スマートフォントUI" panose="02000600000000000000" pitchFamily="50" charset="-128"/>
+              </a:rPr>
+              <a:t>アクセル</a:t>
+            </a:r>
+            <a:endParaRPr kumimoji="1" lang="ja-JP" altLang="en-US" dirty="0">
+              <a:latin typeface="03スマートフォントUI" panose="02000600000000000000" pitchFamily="50" charset="-128"/>
+              <a:ea typeface="03スマートフォントUI" panose="02000600000000000000" pitchFamily="50" charset="-128"/>
+            </a:endParaRPr>
+          </a:p>
+        </p:txBody>
+      </p:sp>
+      <p:sp>
+        <p:nvSpPr>
+          <p:cNvPr id="9" name="楕円 8"/>
+          <p:cNvSpPr/>
+          <p:nvPr/>
+        </p:nvSpPr>
+        <p:spPr>
+          <a:xfrm>
+            <a:off x="7358429" y="4090768"/>
+            <a:ext cx="720000" cy="720969"/>
+          </a:xfrm>
+          <a:prstGeom prst="ellipse">
+            <a:avLst/>
+          </a:prstGeom>
+          <a:solidFill>
+            <a:srgbClr val="FF0000"/>
+          </a:solidFill>
+          <a:ln>
+            <a:noFill/>
+          </a:ln>
+        </p:spPr>
+        <p:style>
+          <a:lnRef idx="2">
+            <a:schemeClr val="accent1">
+              <a:shade val="50000"/>
+            </a:schemeClr>
+          </a:lnRef>
+          <a:fillRef idx="1">
+            <a:schemeClr val="accent1"/>
+          </a:fillRef>
+          <a:effectRef idx="0">
+            <a:schemeClr val="accent1"/>
+          </a:effectRef>
+          <a:fontRef idx="minor">
+            <a:schemeClr val="lt1"/>
+          </a:fontRef>
+        </p:style>
+        <p:txBody>
+          <a:bodyPr rtlCol="0" anchor="ctr"/>
+          <a:lstStyle/>
+          <a:p>
+            <a:pPr algn="ctr"/>
+            <a:r>
+              <a:rPr kumimoji="1" lang="en-US" altLang="ja-JP" sz="3600" b="1" dirty="0" smtClean="0">
+                <a:solidFill>
+                  <a:schemeClr val="bg1"/>
+                </a:solidFill>
+              </a:rPr>
+              <a:t>B</a:t>
+            </a:r>
+            <a:endParaRPr kumimoji="1" lang="ja-JP" altLang="en-US" b="1" dirty="0">
+              <a:solidFill>
+                <a:schemeClr val="bg1"/>
+              </a:solidFill>
+            </a:endParaRPr>
+          </a:p>
+        </p:txBody>
+      </p:sp>
+      <p:sp>
+        <p:nvSpPr>
+          <p:cNvPr id="10" name="テキスト ボックス 9"/>
+          <p:cNvSpPr txBox="1"/>
+          <p:nvPr/>
+        </p:nvSpPr>
+        <p:spPr>
+          <a:xfrm>
+            <a:off x="8239125" y="4090768"/>
+            <a:ext cx="3400425" cy="707886"/>
+          </a:xfrm>
+          <a:prstGeom prst="rect">
+            <a:avLst/>
+          </a:prstGeom>
+          <a:noFill/>
+        </p:spPr>
+        <p:txBody>
+          <a:bodyPr wrap="square" rtlCol="0">
+            <a:spAutoFit/>
+          </a:bodyPr>
+          <a:lstStyle/>
+          <a:p>
+            <a:r>
+              <a:rPr kumimoji="1" lang="ja-JP" altLang="en-US" sz="4000" dirty="0" smtClean="0">
+                <a:latin typeface="03スマートフォントUI" panose="02000600000000000000" pitchFamily="50" charset="-128"/>
+                <a:ea typeface="03スマートフォントUI" panose="02000600000000000000" pitchFamily="50" charset="-128"/>
+              </a:rPr>
+              <a:t>バック</a:t>
+            </a:r>
+            <a:endParaRPr kumimoji="1" lang="ja-JP" altLang="en-US" dirty="0">
+              <a:latin typeface="03スマートフォントUI" panose="02000600000000000000" pitchFamily="50" charset="-128"/>
+              <a:ea typeface="03スマートフォントUI" panose="02000600000000000000" pitchFamily="50" charset="-128"/>
+            </a:endParaRPr>
+          </a:p>
+        </p:txBody>
+      </p:sp>
+      <p:sp>
+        <p:nvSpPr>
+          <p:cNvPr id="11" name="フローチャート: 手操作入力 10"/>
+          <p:cNvSpPr/>
+          <p:nvPr/>
+        </p:nvSpPr>
+        <p:spPr>
+          <a:xfrm>
+            <a:off x="7197732" y="5402625"/>
+            <a:ext cx="1000125" cy="600075"/>
+          </a:xfrm>
+          <a:prstGeom prst="flowChartManualInput">
+            <a:avLst/>
+          </a:prstGeom>
+          <a:solidFill>
+            <a:schemeClr val="tx1"/>
+          </a:solidFill>
+          <a:ln>
+            <a:noFill/>
+          </a:ln>
+        </p:spPr>
+        <p:style>
+          <a:lnRef idx="2">
+            <a:schemeClr val="accent1">
+              <a:shade val="50000"/>
+            </a:schemeClr>
+          </a:lnRef>
+          <a:fillRef idx="1">
+            <a:schemeClr val="accent1"/>
+          </a:fillRef>
+          <a:effectRef idx="0">
+            <a:schemeClr val="accent1"/>
+          </a:effectRef>
+          <a:fontRef idx="minor">
+            <a:schemeClr val="lt1"/>
+          </a:fontRef>
+        </p:style>
+        <p:txBody>
+          <a:bodyPr rtlCol="0" anchor="ctr"/>
+          <a:lstStyle/>
+          <a:p>
+            <a:pPr algn="ctr"/>
+            <a:r>
+              <a:rPr kumimoji="1" lang="en-US" altLang="ja-JP" sz="3200" b="1" dirty="0" smtClean="0"/>
+              <a:t>LB</a:t>
+            </a:r>
+            <a:endParaRPr kumimoji="1" lang="ja-JP" altLang="en-US" b="1" dirty="0"/>
+          </a:p>
+        </p:txBody>
+      </p:sp>
+      <p:sp>
+        <p:nvSpPr>
+          <p:cNvPr id="12" name="テキスト ボックス 11"/>
+          <p:cNvSpPr txBox="1"/>
+          <p:nvPr/>
+        </p:nvSpPr>
+        <p:spPr>
+          <a:xfrm>
+            <a:off x="8218491" y="5348719"/>
+            <a:ext cx="3400425" cy="707886"/>
+          </a:xfrm>
+          <a:prstGeom prst="rect">
+            <a:avLst/>
+          </a:prstGeom>
+          <a:noFill/>
+        </p:spPr>
+        <p:txBody>
+          <a:bodyPr wrap="square" rtlCol="0">
+            <a:spAutoFit/>
+          </a:bodyPr>
+          <a:lstStyle/>
+          <a:p>
+            <a:r>
+              <a:rPr lang="ja-JP" altLang="en-US" sz="4000" dirty="0">
+                <a:latin typeface="03スマートフォントUI" panose="02000600000000000000" pitchFamily="50" charset="-128"/>
+                <a:ea typeface="03スマートフォントUI" panose="02000600000000000000" pitchFamily="50" charset="-128"/>
+              </a:rPr>
+              <a:t>アイテム使用</a:t>
+            </a:r>
+            <a:endParaRPr kumimoji="1" lang="ja-JP" altLang="en-US" dirty="0">
+              <a:latin typeface="03スマートフォントUI" panose="02000600000000000000" pitchFamily="50" charset="-128"/>
+              <a:ea typeface="03スマートフォントUI" panose="02000600000000000000" pitchFamily="50" charset="-128"/>
+            </a:endParaRPr>
+          </a:p>
+        </p:txBody>
+      </p:sp>
+      <p:sp>
+        <p:nvSpPr>
+          <p:cNvPr id="15" name="楕円 14"/>
+          <p:cNvSpPr/>
+          <p:nvPr/>
+        </p:nvSpPr>
+        <p:spPr>
+          <a:xfrm>
+            <a:off x="7337795" y="1568518"/>
+            <a:ext cx="720000" cy="720969"/>
+          </a:xfrm>
+          <a:prstGeom prst="ellipse">
+            <a:avLst/>
+          </a:prstGeom>
+          <a:solidFill>
+            <a:schemeClr val="tx1">
+              <a:lumMod val="50000"/>
+              <a:lumOff val="50000"/>
+            </a:schemeClr>
+          </a:solidFill>
+          <a:ln>
+            <a:noFill/>
+          </a:ln>
+        </p:spPr>
+        <p:style>
+          <a:lnRef idx="2">
+            <a:schemeClr val="accent1">
+              <a:shade val="50000"/>
+            </a:schemeClr>
+          </a:lnRef>
+          <a:fillRef idx="1">
+            <a:schemeClr val="accent1"/>
+          </a:fillRef>
+          <a:effectRef idx="0">
+            <a:schemeClr val="accent1"/>
+          </a:effectRef>
+          <a:fontRef idx="minor">
+            <a:schemeClr val="lt1"/>
+          </a:fontRef>
+        </p:style>
+        <p:txBody>
+          <a:bodyPr rtlCol="0" anchor="ctr"/>
+          <a:lstStyle/>
+          <a:p>
+            <a:pPr algn="ctr"/>
+            <a:r>
+              <a:rPr kumimoji="1" lang="en-US" altLang="ja-JP" sz="3600" b="1" dirty="0" smtClean="0">
+                <a:solidFill>
+                  <a:schemeClr val="bg1"/>
+                </a:solidFill>
+              </a:rPr>
+              <a:t>L</a:t>
+            </a:r>
+            <a:endParaRPr kumimoji="1" lang="ja-JP" altLang="en-US" b="1" dirty="0">
+              <a:solidFill>
+                <a:schemeClr val="bg1"/>
+              </a:solidFill>
+            </a:endParaRPr>
+          </a:p>
+        </p:txBody>
+      </p:sp>
+      <p:sp>
+        <p:nvSpPr>
+          <p:cNvPr id="16" name="テキスト ボックス 15"/>
+          <p:cNvSpPr txBox="1"/>
+          <p:nvPr/>
+        </p:nvSpPr>
+        <p:spPr>
+          <a:xfrm>
+            <a:off x="8218491" y="1568518"/>
+            <a:ext cx="3400425" cy="707886"/>
+          </a:xfrm>
+          <a:prstGeom prst="rect">
+            <a:avLst/>
+          </a:prstGeom>
+          <a:noFill/>
+        </p:spPr>
+        <p:txBody>
+          <a:bodyPr wrap="square" rtlCol="0">
+            <a:spAutoFit/>
+          </a:bodyPr>
+          <a:lstStyle/>
+          <a:p>
+            <a:r>
+              <a:rPr lang="ja-JP" altLang="en-US" sz="4000" dirty="0">
+                <a:latin typeface="03スマートフォントUI" panose="02000600000000000000" pitchFamily="50" charset="-128"/>
+                <a:ea typeface="03スマートフォントUI" panose="02000600000000000000" pitchFamily="50" charset="-128"/>
+              </a:rPr>
+              <a:t>移動</a:t>
+            </a:r>
+            <a:endParaRPr kumimoji="1" lang="ja-JP" altLang="en-US" dirty="0">
+              <a:latin typeface="03スマートフォントUI" panose="02000600000000000000" pitchFamily="50" charset="-128"/>
+              <a:ea typeface="03スマートフォントUI" panose="02000600000000000000" pitchFamily="50" charset="-128"/>
+            </a:endParaRPr>
+          </a:p>
+        </p:txBody>
+      </p:sp>
+      <p:pic>
+        <p:nvPicPr>
+          <p:cNvPr id="17" name="図 16"/>
+          <p:cNvPicPr>
+            <a:picLocks noChangeAspect="1"/>
+          </p:cNvPicPr>
+          <p:nvPr/>
+        </p:nvPicPr>
+        <p:blipFill>
+          <a:blip r:embed="rId3" cstate="print">
+            <a:extLst>
+              <a:ext uri="{28A0092B-C50C-407E-A947-70E740481C1C}">
+                <a14:useLocalDpi xmlns:a14="http://schemas.microsoft.com/office/drawing/2010/main" val="0"/>
+              </a:ext>
+            </a:extLst>
+          </a:blip>
+          <a:stretch>
+            <a:fillRect/>
+          </a:stretch>
+        </p:blipFill>
+        <p:spPr>
+          <a:xfrm>
+            <a:off x="111433" y="4844333"/>
+            <a:ext cx="1514475" cy="1374386"/>
+          </a:xfrm>
+          <a:prstGeom prst="rect">
+            <a:avLst/>
+          </a:prstGeom>
+        </p:spPr>
+      </p:pic>
+      <p:sp>
+        <p:nvSpPr>
+          <p:cNvPr id="18" name="テキスト ボックス 17"/>
+          <p:cNvSpPr txBox="1"/>
+          <p:nvPr/>
+        </p:nvSpPr>
+        <p:spPr>
+          <a:xfrm>
+            <a:off x="1786604" y="4844333"/>
+            <a:ext cx="2457450" cy="707886"/>
+          </a:xfrm>
+          <a:prstGeom prst="rect">
+            <a:avLst/>
+          </a:prstGeom>
+          <a:noFill/>
+        </p:spPr>
+        <p:txBody>
+          <a:bodyPr wrap="square" rtlCol="0">
+            <a:spAutoFit/>
+          </a:bodyPr>
+          <a:lstStyle/>
+          <a:p>
+            <a:r>
+              <a:rPr kumimoji="1" lang="ja-JP" altLang="en-US" sz="4000" dirty="0" smtClean="0">
+                <a:solidFill>
+                  <a:srgbClr val="FF0000"/>
+                </a:solidFill>
+                <a:latin typeface="03スマートフォントUI" panose="02000600000000000000" pitchFamily="50" charset="-128"/>
+                <a:ea typeface="03スマートフォントUI" panose="02000600000000000000" pitchFamily="50" charset="-128"/>
+              </a:rPr>
+              <a:t>バナナ</a:t>
+            </a:r>
+            <a:endParaRPr kumimoji="1" lang="ja-JP" altLang="en-US" dirty="0">
+              <a:solidFill>
+                <a:srgbClr val="FF0000"/>
+              </a:solidFill>
+              <a:latin typeface="03スマートフォントUI" panose="02000600000000000000" pitchFamily="50" charset="-128"/>
+              <a:ea typeface="03スマートフォントUI" panose="02000600000000000000" pitchFamily="50" charset="-128"/>
+            </a:endParaRPr>
+          </a:p>
+        </p:txBody>
+      </p:sp>
+      <p:sp>
+        <p:nvSpPr>
+          <p:cNvPr id="19" name="テキスト ボックス 18"/>
+          <p:cNvSpPr txBox="1"/>
+          <p:nvPr/>
+        </p:nvSpPr>
+        <p:spPr>
+          <a:xfrm>
+            <a:off x="1733861" y="5552219"/>
+            <a:ext cx="5361844" cy="523220"/>
+          </a:xfrm>
+          <a:prstGeom prst="rect">
+            <a:avLst/>
+          </a:prstGeom>
+          <a:noFill/>
+        </p:spPr>
+        <p:txBody>
+          <a:bodyPr wrap="square" rtlCol="0">
+            <a:spAutoFit/>
+          </a:bodyPr>
+          <a:lstStyle/>
+          <a:p>
+            <a:r>
+              <a:rPr kumimoji="1" lang="ja-JP" altLang="en-US" sz="2800" dirty="0" smtClean="0">
+                <a:latin typeface="03スマートフォントUI" panose="02000600000000000000" pitchFamily="50" charset="-128"/>
+                <a:ea typeface="03スマートフォントUI" panose="02000600000000000000" pitchFamily="50" charset="-128"/>
+              </a:rPr>
+              <a:t>ぶつけると相手がスピンします。</a:t>
+            </a:r>
+            <a:endParaRPr kumimoji="1" lang="ja-JP" altLang="en-US" sz="1400" dirty="0">
+              <a:latin typeface="03スマートフォントUI" panose="02000600000000000000" pitchFamily="50" charset="-128"/>
+              <a:ea typeface="03スマートフォントUI" panose="02000600000000000000" pitchFamily="50" charset="-128"/>
+            </a:endParaRPr>
+          </a:p>
+        </p:txBody>
+      </p:sp>
+      <p:sp>
+        <p:nvSpPr>
+          <p:cNvPr id="5" name="テキスト ボックス 4"/>
+          <p:cNvSpPr txBox="1"/>
+          <p:nvPr/>
+        </p:nvSpPr>
+        <p:spPr>
+          <a:xfrm>
+            <a:off x="86718" y="3871187"/>
+            <a:ext cx="6233746" cy="1354217"/>
+          </a:xfrm>
+          <a:prstGeom prst="rect">
+            <a:avLst/>
+          </a:prstGeom>
+          <a:noFill/>
+        </p:spPr>
+        <p:txBody>
+          <a:bodyPr wrap="square" rtlCol="0">
+            <a:spAutoFit/>
+          </a:bodyPr>
+          <a:lstStyle/>
+          <a:p>
+            <a:r>
+              <a:rPr lang="ja-JP" altLang="en-US" sz="3200" dirty="0">
+                <a:latin typeface="03スマートフォントUI" panose="02000600000000000000" pitchFamily="50" charset="-128"/>
+                <a:ea typeface="03スマートフォントUI" panose="02000600000000000000" pitchFamily="50" charset="-128"/>
+              </a:rPr>
+              <a:t>アイテムボックス</a:t>
+            </a:r>
+            <a:r>
+              <a:rPr lang="ja-JP" altLang="en-US" sz="3200" dirty="0" smtClean="0">
+                <a:latin typeface="03スマートフォントUI" panose="02000600000000000000" pitchFamily="50" charset="-128"/>
+                <a:ea typeface="03スマートフォントUI" panose="02000600000000000000" pitchFamily="50" charset="-128"/>
+              </a:rPr>
+              <a:t>からバナナを取得できます</a:t>
+            </a:r>
+            <a:r>
+              <a:rPr lang="ja-JP" altLang="en-US" sz="3200" dirty="0">
+                <a:latin typeface="03スマートフォントUI" panose="02000600000000000000" pitchFamily="50" charset="-128"/>
+                <a:ea typeface="03スマートフォントUI" panose="02000600000000000000" pitchFamily="50" charset="-128"/>
+              </a:rPr>
+              <a:t>。</a:t>
+            </a:r>
+          </a:p>
+          <a:p>
+            <a:endParaRPr kumimoji="1" lang="ja-JP" altLang="en-US" dirty="0"/>
           </a:p>
         </p:txBody>
       </p:sp>
